--- a/docs/Proposal_RM.pptx
+++ b/docs/Proposal_RM.pptx
@@ -844,7 +844,7 @@
           <a:p>
             <a:fld id="{EBE75548-98F2-4FBD-930F-52F754AE1729}" type="datetimeFigureOut">
               <a:rPr lang="en-US" smtClean="0"/>
-              <a:t>6/7/2021</a:t>
+              <a:t>8/12/2021</a:t>
             </a:fld>
             <a:endParaRPr lang="en-US"/>
           </a:p>
@@ -1095,7 +1095,7 @@
           <a:p>
             <a:fld id="{EBE75548-98F2-4FBD-930F-52F754AE1729}" type="datetimeFigureOut">
               <a:rPr lang="en-US" smtClean="0"/>
-              <a:t>6/7/2021</a:t>
+              <a:t>8/12/2021</a:t>
             </a:fld>
             <a:endParaRPr lang="en-US"/>
           </a:p>
@@ -1409,7 +1409,7 @@
           <a:p>
             <a:fld id="{EBE75548-98F2-4FBD-930F-52F754AE1729}" type="datetimeFigureOut">
               <a:rPr lang="en-US" smtClean="0"/>
-              <a:t>6/7/2021</a:t>
+              <a:t>8/12/2021</a:t>
             </a:fld>
             <a:endParaRPr lang="en-US"/>
           </a:p>
@@ -1750,7 +1750,7 @@
           <a:p>
             <a:fld id="{EBE75548-98F2-4FBD-930F-52F754AE1729}" type="datetimeFigureOut">
               <a:rPr lang="en-US" smtClean="0"/>
-              <a:t>6/7/2021</a:t>
+              <a:t>8/12/2021</a:t>
             </a:fld>
             <a:endParaRPr lang="en-US"/>
           </a:p>
@@ -2064,7 +2064,7 @@
           <a:p>
             <a:fld id="{EBE75548-98F2-4FBD-930F-52F754AE1729}" type="datetimeFigureOut">
               <a:rPr lang="en-US" smtClean="0"/>
-              <a:t>6/7/2021</a:t>
+              <a:t>8/12/2021</a:t>
             </a:fld>
             <a:endParaRPr lang="en-US"/>
           </a:p>
@@ -2457,7 +2457,7 @@
           <a:p>
             <a:fld id="{EBE75548-98F2-4FBD-930F-52F754AE1729}" type="datetimeFigureOut">
               <a:rPr lang="en-US" smtClean="0"/>
-              <a:t>6/7/2021</a:t>
+              <a:t>8/12/2021</a:t>
             </a:fld>
             <a:endParaRPr lang="en-US"/>
           </a:p>
@@ -2627,7 +2627,7 @@
           <a:p>
             <a:fld id="{EBE75548-98F2-4FBD-930F-52F754AE1729}" type="datetimeFigureOut">
               <a:rPr lang="en-US" smtClean="0"/>
-              <a:t>6/7/2021</a:t>
+              <a:t>8/12/2021</a:t>
             </a:fld>
             <a:endParaRPr lang="en-US"/>
           </a:p>
@@ -2807,7 +2807,7 @@
           <a:p>
             <a:fld id="{EBE75548-98F2-4FBD-930F-52F754AE1729}" type="datetimeFigureOut">
               <a:rPr lang="en-US" smtClean="0"/>
-              <a:t>6/7/2021</a:t>
+              <a:t>8/12/2021</a:t>
             </a:fld>
             <a:endParaRPr lang="en-US"/>
           </a:p>
@@ -2983,7 +2983,7 @@
           <a:p>
             <a:fld id="{EBE75548-98F2-4FBD-930F-52F754AE1729}" type="datetimeFigureOut">
               <a:rPr lang="en-US" smtClean="0"/>
-              <a:t>6/7/2021</a:t>
+              <a:t>8/12/2021</a:t>
             </a:fld>
             <a:endParaRPr lang="en-US"/>
           </a:p>
@@ -3230,7 +3230,7 @@
           <a:p>
             <a:fld id="{EBE75548-98F2-4FBD-930F-52F754AE1729}" type="datetimeFigureOut">
               <a:rPr lang="en-US" smtClean="0"/>
-              <a:t>6/7/2021</a:t>
+              <a:t>8/12/2021</a:t>
             </a:fld>
             <a:endParaRPr lang="en-US"/>
           </a:p>
@@ -3462,7 +3462,7 @@
           <a:p>
             <a:fld id="{EBE75548-98F2-4FBD-930F-52F754AE1729}" type="datetimeFigureOut">
               <a:rPr lang="en-US" smtClean="0"/>
-              <a:t>6/7/2021</a:t>
+              <a:t>8/12/2021</a:t>
             </a:fld>
             <a:endParaRPr lang="en-US"/>
           </a:p>
@@ -3836,7 +3836,7 @@
           <a:p>
             <a:fld id="{EBE75548-98F2-4FBD-930F-52F754AE1729}" type="datetimeFigureOut">
               <a:rPr lang="en-US" smtClean="0"/>
-              <a:t>6/7/2021</a:t>
+              <a:t>8/12/2021</a:t>
             </a:fld>
             <a:endParaRPr lang="en-US"/>
           </a:p>
@@ -3959,7 +3959,7 @@
           <a:p>
             <a:fld id="{EBE75548-98F2-4FBD-930F-52F754AE1729}" type="datetimeFigureOut">
               <a:rPr lang="en-US" smtClean="0"/>
-              <a:t>6/7/2021</a:t>
+              <a:t>8/12/2021</a:t>
             </a:fld>
             <a:endParaRPr lang="en-US"/>
           </a:p>
@@ -4054,7 +4054,7 @@
           <a:p>
             <a:fld id="{EBE75548-98F2-4FBD-930F-52F754AE1729}" type="datetimeFigureOut">
               <a:rPr lang="en-US" smtClean="0"/>
-              <a:t>6/7/2021</a:t>
+              <a:t>8/12/2021</a:t>
             </a:fld>
             <a:endParaRPr lang="en-US"/>
           </a:p>
@@ -4309,7 +4309,7 @@
           <a:p>
             <a:fld id="{EBE75548-98F2-4FBD-930F-52F754AE1729}" type="datetimeFigureOut">
               <a:rPr lang="en-US" smtClean="0"/>
-              <a:t>6/7/2021</a:t>
+              <a:t>8/12/2021</a:t>
             </a:fld>
             <a:endParaRPr lang="en-US"/>
           </a:p>
@@ -4572,7 +4572,7 @@
           <a:p>
             <a:fld id="{EBE75548-98F2-4FBD-930F-52F754AE1729}" type="datetimeFigureOut">
               <a:rPr lang="en-US" smtClean="0"/>
-              <a:t>6/7/2021</a:t>
+              <a:t>8/12/2021</a:t>
             </a:fld>
             <a:endParaRPr lang="en-US"/>
           </a:p>
@@ -5315,7 +5315,7 @@
           <a:p>
             <a:fld id="{EBE75548-98F2-4FBD-930F-52F754AE1729}" type="datetimeFigureOut">
               <a:rPr lang="en-US" smtClean="0"/>
-              <a:t>6/7/2021</a:t>
+              <a:t>8/12/2021</a:t>
             </a:fld>
             <a:endParaRPr lang="en-US"/>
           </a:p>
@@ -5855,7 +5855,7 @@
                 <a16:creationId xmlns:a16="http://schemas.microsoft.com/office/drawing/2014/main" id="{9179DE42-5613-4B35-A1E6-6CCBAA13C743}"/>
               </a:ext>
               <a:ext uri="{C183D7F6-B498-43B3-948B-1728B52AA6E4}">
-                <adec:decorative xmlns:adec="http://schemas.microsoft.com/office/drawing/2017/decorative" val="1"/>
+                <adec:decorative xmlns:adec="http://schemas.microsoft.com/office/drawing/2017/decorative" xmlns="" val="1"/>
               </a:ext>
             </a:extLst>
           </p:cNvPr>
@@ -5915,7 +5915,7 @@
                 <a16:creationId xmlns:a16="http://schemas.microsoft.com/office/drawing/2014/main" id="{EB898B32-3891-4C3A-8F58-C5969D2E9033}"/>
               </a:ext>
               <a:ext uri="{C183D7F6-B498-43B3-948B-1728B52AA6E4}">
-                <adec:decorative xmlns:adec="http://schemas.microsoft.com/office/drawing/2017/decorative" val="1"/>
+                <adec:decorative xmlns:adec="http://schemas.microsoft.com/office/drawing/2017/decorative" xmlns="" val="1"/>
               </a:ext>
             </a:extLst>
           </p:cNvPr>
@@ -5969,7 +5969,7 @@
                 <a16:creationId xmlns:a16="http://schemas.microsoft.com/office/drawing/2014/main" id="{4AE4806D-B8F9-4679-A68A-9BD21C01A301}"/>
               </a:ext>
               <a:ext uri="{C183D7F6-B498-43B3-948B-1728B52AA6E4}">
-                <adec:decorative xmlns:adec="http://schemas.microsoft.com/office/drawing/2017/decorative" val="1"/>
+                <adec:decorative xmlns:adec="http://schemas.microsoft.com/office/drawing/2017/decorative" xmlns="" val="1"/>
               </a:ext>
             </a:extLst>
           </p:cNvPr>
@@ -6025,7 +6025,7 @@
                 <a16:creationId xmlns:a16="http://schemas.microsoft.com/office/drawing/2014/main" id="{52FB45E9-914E-4471-AC87-E475CD51767D}"/>
               </a:ext>
               <a:ext uri="{C183D7F6-B498-43B3-948B-1728B52AA6E4}">
-                <adec:decorative xmlns:adec="http://schemas.microsoft.com/office/drawing/2017/decorative" val="1"/>
+                <adec:decorative xmlns:adec="http://schemas.microsoft.com/office/drawing/2017/decorative" xmlns="" val="1"/>
               </a:ext>
             </a:extLst>
           </p:cNvPr>
@@ -6105,7 +6105,7 @@
                 <a16:creationId xmlns:a16="http://schemas.microsoft.com/office/drawing/2014/main" id="{C310626D-5743-49D4-8F7D-88C4F8F05774}"/>
               </a:ext>
               <a:ext uri="{C183D7F6-B498-43B3-948B-1728B52AA6E4}">
-                <adec:decorative xmlns:adec="http://schemas.microsoft.com/office/drawing/2017/decorative" val="1"/>
+                <adec:decorative xmlns:adec="http://schemas.microsoft.com/office/drawing/2017/decorative" xmlns="" val="1"/>
               </a:ext>
             </a:extLst>
           </p:cNvPr>
@@ -6185,7 +6185,7 @@
                 <a16:creationId xmlns:a16="http://schemas.microsoft.com/office/drawing/2014/main" id="{3C195FC1-B568-4C72-9902-34CB35DDD7A1}"/>
               </a:ext>
               <a:ext uri="{C183D7F6-B498-43B3-948B-1728B52AA6E4}">
-                <adec:decorative xmlns:adec="http://schemas.microsoft.com/office/drawing/2017/decorative" val="1"/>
+                <adec:decorative xmlns:adec="http://schemas.microsoft.com/office/drawing/2017/decorative" xmlns="" val="1"/>
               </a:ext>
             </a:extLst>
           </p:cNvPr>
@@ -6243,7 +6243,7 @@
                 <a16:creationId xmlns:a16="http://schemas.microsoft.com/office/drawing/2014/main" id="{EF2BDF77-362C-43F0-8CBB-A969EC2AE0C4}"/>
               </a:ext>
               <a:ext uri="{C183D7F6-B498-43B3-948B-1728B52AA6E4}">
-                <adec:decorative xmlns:adec="http://schemas.microsoft.com/office/drawing/2017/decorative" val="1"/>
+                <adec:decorative xmlns:adec="http://schemas.microsoft.com/office/drawing/2017/decorative" xmlns="" val="1"/>
               </a:ext>
             </a:extLst>
           </p:cNvPr>
@@ -6324,7 +6324,7 @@
                 <a16:creationId xmlns:a16="http://schemas.microsoft.com/office/drawing/2014/main" id="{4BE96B01-3929-432D-B8C2-ADBCB74C2EF4}"/>
               </a:ext>
               <a:ext uri="{C183D7F6-B498-43B3-948B-1728B52AA6E4}">
-                <adec:decorative xmlns:adec="http://schemas.microsoft.com/office/drawing/2017/decorative" val="1"/>
+                <adec:decorative xmlns:adec="http://schemas.microsoft.com/office/drawing/2017/decorative" xmlns="" val="1"/>
               </a:ext>
             </a:extLst>
           </p:cNvPr>
@@ -6382,7 +6382,7 @@
                 <a16:creationId xmlns:a16="http://schemas.microsoft.com/office/drawing/2014/main" id="{2A6FCDE6-CDE2-4C51-B18E-A95CFB679714}"/>
               </a:ext>
               <a:ext uri="{C183D7F6-B498-43B3-948B-1728B52AA6E4}">
-                <adec:decorative xmlns:adec="http://schemas.microsoft.com/office/drawing/2017/decorative" val="1"/>
+                <adec:decorative xmlns:adec="http://schemas.microsoft.com/office/drawing/2017/decorative" xmlns="" val="1"/>
               </a:ext>
             </a:extLst>
           </p:cNvPr>
@@ -6742,7 +6742,7 @@
                 <a16:creationId xmlns:a16="http://schemas.microsoft.com/office/drawing/2014/main" id="{9D2E8756-2465-473A-BA2A-2DB1D6224745}"/>
               </a:ext>
               <a:ext uri="{C183D7F6-B498-43B3-948B-1728B52AA6E4}">
-                <adec:decorative xmlns:adec="http://schemas.microsoft.com/office/drawing/2017/decorative" val="1"/>
+                <adec:decorative xmlns:adec="http://schemas.microsoft.com/office/drawing/2017/decorative" xmlns="" val="1"/>
               </a:ext>
             </a:extLst>
           </p:cNvPr>
@@ -6921,7 +6921,7 @@
               </a:tabLst>
             </a:pPr>
             <a:r>
-              <a:rPr lang="en-US" sz="1100" dirty="0">
+              <a:rPr lang="en-US" sz="1100" dirty="0" smtClean="0">
                 <a:solidFill>
                   <a:srgbClr val="FF0000"/>
                 </a:solidFill>
@@ -6930,49 +6930,42 @@
                 <a:ea typeface="新細明體" panose="02020500000000000000" pitchFamily="18" charset="-120"/>
                 <a:cs typeface="Calibri" panose="020F0502020204030204" pitchFamily="34" charset="0"/>
               </a:rPr>
-              <a:t>May/June &lt;-(CURRENT PHASE)</a:t>
-            </a:r>
-            <a:endParaRPr lang="en-US" sz="1100" dirty="0">
-              <a:effectLst/>
-              <a:latin typeface="Calibri" panose="020F0502020204030204" pitchFamily="34" charset="0"/>
-              <a:ea typeface="新細明體" panose="02020500000000000000" pitchFamily="18" charset="-120"/>
-              <a:cs typeface="Cordia New" panose="020B0304020202020204" pitchFamily="34" charset="-34"/>
-            </a:endParaRPr>
-          </a:p>
-          <a:p>
-            <a:pPr marL="742950" marR="0" lvl="1" indent="-285750">
+              <a:t>August/September</a:t>
+            </a:r>
+          </a:p>
+          <a:p>
+            <a:pPr lvl="1" indent="-342900">
               <a:lnSpc>
                 <a:spcPct val="107000"/>
               </a:lnSpc>
               <a:spcBef>
                 <a:spcPts val="0"/>
               </a:spcBef>
-              <a:spcAft>
-                <a:spcPts val="0"/>
-              </a:spcAft>
               <a:buFont typeface="Wingdings 3" panose="05040102010807070707" pitchFamily="18" charset="2"/>
               <a:buChar char=""/>
               <a:tabLst>
-                <a:tab pos="914400" algn="l"/>
+                <a:tab pos="457200" algn="l"/>
               </a:tabLst>
             </a:pPr>
             <a:r>
-              <a:rPr lang="en-US" sz="1100" dirty="0">
+              <a:rPr lang="en-US" sz="900" dirty="0" smtClean="0">
                 <a:solidFill>
                   <a:srgbClr val="FF0000"/>
                 </a:solidFill>
-                <a:effectLst/>
                 <a:latin typeface="Calibri" panose="020F0502020204030204" pitchFamily="34" charset="0"/>
                 <a:ea typeface="新細明體" panose="02020500000000000000" pitchFamily="18" charset="-120"/>
                 <a:cs typeface="Calibri" panose="020F0502020204030204" pitchFamily="34" charset="0"/>
               </a:rPr>
-              <a:t>Perform Literature Reviews, Python coding &amp; other essential skills</a:t>
-            </a:r>
-            <a:endParaRPr lang="en-US" sz="1100" dirty="0">
+              <a:t>Run Models &amp; Environmental Solutions</a:t>
+            </a:r>
+            <a:endParaRPr lang="en-US" sz="900" dirty="0" smtClean="0">
+              <a:solidFill>
+                <a:srgbClr val="FF0000"/>
+              </a:solidFill>
               <a:effectLst/>
               <a:latin typeface="Calibri" panose="020F0502020204030204" pitchFamily="34" charset="0"/>
               <a:ea typeface="新細明體" panose="02020500000000000000" pitchFamily="18" charset="-120"/>
-              <a:cs typeface="Cordia New" panose="020B0304020202020204" pitchFamily="34" charset="-34"/>
+              <a:cs typeface="Calibri" panose="020F0502020204030204" pitchFamily="34" charset="0"/>
             </a:endParaRPr>
           </a:p>
           <a:p>
@@ -6993,139 +6986,7 @@
               </a:tabLst>
             </a:pPr>
             <a:r>
-              <a:rPr lang="en-US" sz="1100" dirty="0">
-                <a:effectLst/>
-                <a:latin typeface="Calibri" panose="020F0502020204030204" pitchFamily="34" charset="0"/>
-                <a:ea typeface="新細明體" panose="02020500000000000000" pitchFamily="18" charset="-120"/>
-                <a:cs typeface="Calibri" panose="020F0502020204030204" pitchFamily="34" charset="0"/>
-              </a:rPr>
-              <a:t>July</a:t>
-            </a:r>
-            <a:endParaRPr lang="en-US" sz="1100" dirty="0">
-              <a:effectLst/>
-              <a:latin typeface="Calibri" panose="020F0502020204030204" pitchFamily="34" charset="0"/>
-              <a:ea typeface="新細明體" panose="02020500000000000000" pitchFamily="18" charset="-120"/>
-              <a:cs typeface="Cordia New" panose="020B0304020202020204" pitchFamily="34" charset="-34"/>
-            </a:endParaRPr>
-          </a:p>
-          <a:p>
-            <a:pPr marL="742950" marR="0" lvl="1" indent="-285750">
-              <a:lnSpc>
-                <a:spcPct val="107000"/>
-              </a:lnSpc>
-              <a:spcBef>
-                <a:spcPts val="0"/>
-              </a:spcBef>
-              <a:spcAft>
-                <a:spcPts val="0"/>
-              </a:spcAft>
-              <a:buFont typeface="Wingdings 3" panose="05040102010807070707" pitchFamily="18" charset="2"/>
-              <a:buChar char=""/>
-              <a:tabLst>
-                <a:tab pos="914400" algn="l"/>
-              </a:tabLst>
-            </a:pPr>
-            <a:r>
-              <a:rPr lang="en-US" sz="1100" dirty="0">
-                <a:effectLst/>
-                <a:latin typeface="Calibri" panose="020F0502020204030204" pitchFamily="34" charset="0"/>
-                <a:ea typeface="新細明體" panose="02020500000000000000" pitchFamily="18" charset="-120"/>
-                <a:cs typeface="Calibri" panose="020F0502020204030204" pitchFamily="34" charset="0"/>
-              </a:rPr>
-              <a:t>Perform even deeper LR + coding practice + Validation runs.</a:t>
-            </a:r>
-            <a:endParaRPr lang="en-US" sz="1100" dirty="0">
-              <a:effectLst/>
-              <a:latin typeface="Calibri" panose="020F0502020204030204" pitchFamily="34" charset="0"/>
-              <a:ea typeface="新細明體" panose="02020500000000000000" pitchFamily="18" charset="-120"/>
-              <a:cs typeface="Cordia New" panose="020B0304020202020204" pitchFamily="34" charset="-34"/>
-            </a:endParaRPr>
-          </a:p>
-          <a:p>
-            <a:pPr marL="342900" marR="0" lvl="0" indent="-342900">
-              <a:lnSpc>
-                <a:spcPct val="107000"/>
-              </a:lnSpc>
-              <a:spcBef>
-                <a:spcPts val="0"/>
-              </a:spcBef>
-              <a:spcAft>
-                <a:spcPts val="0"/>
-              </a:spcAft>
-              <a:buFont typeface="Wingdings 3" panose="05040102010807070707" pitchFamily="18" charset="2"/>
-              <a:buChar char=""/>
-              <a:tabLst>
-                <a:tab pos="457200" algn="l"/>
-              </a:tabLst>
-            </a:pPr>
-            <a:r>
-              <a:rPr lang="en-US" sz="1100" dirty="0">
-                <a:effectLst/>
-                <a:latin typeface="Calibri" panose="020F0502020204030204" pitchFamily="34" charset="0"/>
-                <a:ea typeface="新細明體" panose="02020500000000000000" pitchFamily="18" charset="-120"/>
-                <a:cs typeface="Calibri" panose="020F0502020204030204" pitchFamily="34" charset="0"/>
-              </a:rPr>
-              <a:t>August/September</a:t>
-            </a:r>
-            <a:endParaRPr lang="en-US" sz="1100" dirty="0">
-              <a:effectLst/>
-              <a:latin typeface="Calibri" panose="020F0502020204030204" pitchFamily="34" charset="0"/>
-              <a:ea typeface="新細明體" panose="02020500000000000000" pitchFamily="18" charset="-120"/>
-              <a:cs typeface="Cordia New" panose="020B0304020202020204" pitchFamily="34" charset="-34"/>
-            </a:endParaRPr>
-          </a:p>
-          <a:p>
-            <a:pPr marL="742950" marR="0" lvl="1" indent="-285750">
-              <a:lnSpc>
-                <a:spcPct val="107000"/>
-              </a:lnSpc>
-              <a:spcBef>
-                <a:spcPts val="0"/>
-              </a:spcBef>
-              <a:spcAft>
-                <a:spcPts val="0"/>
-              </a:spcAft>
-              <a:buFont typeface="Wingdings 3" panose="05040102010807070707" pitchFamily="18" charset="2"/>
-              <a:buChar char=""/>
-              <a:tabLst>
-                <a:tab pos="914400" algn="l"/>
-              </a:tabLst>
-            </a:pPr>
-            <a:r>
-              <a:rPr lang="en-US" sz="1100" dirty="0">
-                <a:effectLst/>
-                <a:latin typeface="Calibri" panose="020F0502020204030204" pitchFamily="34" charset="0"/>
-                <a:ea typeface="新細明體" panose="02020500000000000000" pitchFamily="18" charset="-120"/>
-                <a:cs typeface="Calibri" panose="020F0502020204030204" pitchFamily="34" charset="0"/>
-              </a:rPr>
-              <a:t>Custom Model Design, Training &amp; Testing</a:t>
-            </a:r>
-            <a:endParaRPr lang="en-US" sz="1100" dirty="0">
-              <a:effectLst/>
-              <a:latin typeface="Calibri" panose="020F0502020204030204" pitchFamily="34" charset="0"/>
-              <a:ea typeface="新細明體" panose="02020500000000000000" pitchFamily="18" charset="-120"/>
-              <a:cs typeface="Cordia New" panose="020B0304020202020204" pitchFamily="34" charset="-34"/>
-            </a:endParaRPr>
-          </a:p>
-          <a:p>
-            <a:pPr marL="342900" marR="0" lvl="0" indent="-342900">
-              <a:lnSpc>
-                <a:spcPct val="107000"/>
-              </a:lnSpc>
-              <a:spcBef>
-                <a:spcPts val="0"/>
-              </a:spcBef>
-              <a:spcAft>
-                <a:spcPts val="0"/>
-              </a:spcAft>
-              <a:buFont typeface="Wingdings 3" panose="05040102010807070707" pitchFamily="18" charset="2"/>
-              <a:buChar char=""/>
-              <a:tabLst>
-                <a:tab pos="457200" algn="l"/>
-              </a:tabLst>
-            </a:pPr>
-            <a:r>
-              <a:rPr lang="en-US" sz="1100" dirty="0">
+              <a:rPr lang="en-US" sz="1100" dirty="0" smtClean="0">
                 <a:effectLst/>
                 <a:latin typeface="Calibri" panose="020F0502020204030204" pitchFamily="34" charset="0"/>
                 <a:ea typeface="新細明體" panose="02020500000000000000" pitchFamily="18" charset="-120"/>
@@ -9842,7 +9703,50 @@
                 <a:ea typeface="新細明體" panose="02020500000000000000" pitchFamily="18" charset="-120"/>
                 <a:cs typeface="Calibri" panose="020F0502020204030204" pitchFamily="34" charset="0"/>
               </a:rPr>
-              <a:t>are written in Python with Keras as our preferred library/module.</a:t>
+              <a:t>are written in Python with </a:t>
+            </a:r>
+            <a:r>
+              <a:rPr lang="en-US" dirty="0" smtClean="0">
+                <a:latin typeface="Calibri" panose="020F0502020204030204" pitchFamily="34" charset="0"/>
+                <a:ea typeface="新細明體" panose="02020500000000000000" pitchFamily="18" charset="-120"/>
+                <a:cs typeface="Calibri" panose="020F0502020204030204" pitchFamily="34" charset="0"/>
+              </a:rPr>
+              <a:t>Pytorch &amp; </a:t>
+            </a:r>
+            <a:r>
+              <a:rPr lang="en-US" dirty="0" err="1" smtClean="0">
+                <a:latin typeface="Calibri" panose="020F0502020204030204" pitchFamily="34" charset="0"/>
+                <a:ea typeface="新細明體" panose="02020500000000000000" pitchFamily="18" charset="-120"/>
+                <a:cs typeface="Calibri" panose="020F0502020204030204" pitchFamily="34" charset="0"/>
+              </a:rPr>
+              <a:t>TensorFlow</a:t>
+            </a:r>
+            <a:r>
+              <a:rPr lang="en-US" dirty="0" smtClean="0">
+                <a:effectLst/>
+                <a:latin typeface="Calibri" panose="020F0502020204030204" pitchFamily="34" charset="0"/>
+                <a:ea typeface="新細明體" panose="02020500000000000000" pitchFamily="18" charset="-120"/>
+                <a:cs typeface="Calibri" panose="020F0502020204030204" pitchFamily="34" charset="0"/>
+              </a:rPr>
+              <a:t> </a:t>
+            </a:r>
+            <a:r>
+              <a:rPr lang="en-US" dirty="0">
+                <a:effectLst/>
+                <a:latin typeface="Calibri" panose="020F0502020204030204" pitchFamily="34" charset="0"/>
+                <a:ea typeface="新細明體" panose="02020500000000000000" pitchFamily="18" charset="-120"/>
+                <a:cs typeface="Calibri" panose="020F0502020204030204" pitchFamily="34" charset="0"/>
+              </a:rPr>
+              <a:t>as our preferred </a:t>
+            </a:r>
+            <a:r>
+              <a:rPr lang="en-US" dirty="0" smtClean="0">
+                <a:effectLst/>
+                <a:latin typeface="Calibri" panose="020F0502020204030204" pitchFamily="34" charset="0"/>
+                <a:ea typeface="新細明體" panose="02020500000000000000" pitchFamily="18" charset="-120"/>
+                <a:cs typeface="Calibri" panose="020F0502020204030204" pitchFamily="34" charset="0"/>
+              </a:rPr>
+              <a:t>modules.</a:t>
             </a:r>
             <a:endParaRPr lang="en-US" dirty="0">
               <a:effectLst/>
